--- a/Project/docs/1907057.pptx
+++ b/Project/docs/1907057.pptx
@@ -141,7 +141,7 @@
       <p15:sldGuideLst xmlns:p15="http://schemas.microsoft.com/office/powerpoint/2012/main"/>
     </p:ext>
     <p:ext uri="GoogleSlidesCustomDataVersion2">
-      <go:slidesCustomData xmlns:go="http://customooxmlschemas.google.com/" xmlns:ahyp="http://schemas.microsoft.com/office/drawing/2018/hyperlinkcolor" xmlns:p15="http://schemas.microsoft.com/office/powerpoint/2012/main" xmlns:p14="http://schemas.microsoft.com/office/powerpoint/2010/main" xmlns:com="http://schemas.openxmlformats.org/drawingml/2006/compatibility" xmlns:pvml="urn:schemas-microsoft-com:office:powerpoint" xmlns:v="urn:schemas-microsoft-com:vml" xmlns:o="urn:schemas-microsoft-com:office:office" xmlns:dgm="http://schemas.openxmlformats.org/drawingml/2006/diagram" xmlns:c="http://schemas.openxmlformats.org/drawingml/2006/chart" xmlns:mv="urn:schemas-microsoft-com:mac:vml" xmlns:mc="http://schemas.openxmlformats.org/markup-compatibility/2006" xmlns="" r:id="rId40" roundtripDataSignature="AMtx7miFGE4Z3Pd82HUBysMENlH/UrNdGQ=="/>
+      <go:slidesCustomData xmlns="" xmlns:mc="http://schemas.openxmlformats.org/markup-compatibility/2006" xmlns:mv="urn:schemas-microsoft-com:mac:vml" xmlns:c="http://schemas.openxmlformats.org/drawingml/2006/chart" xmlns:dgm="http://schemas.openxmlformats.org/drawingml/2006/diagram" xmlns:o="urn:schemas-microsoft-com:office:office" xmlns:v="urn:schemas-microsoft-com:vml" xmlns:pvml="urn:schemas-microsoft-com:office:powerpoint" xmlns:com="http://schemas.openxmlformats.org/drawingml/2006/compatibility" xmlns:p14="http://schemas.microsoft.com/office/powerpoint/2010/main" xmlns:p15="http://schemas.microsoft.com/office/powerpoint/2012/main" xmlns:ahyp="http://schemas.microsoft.com/office/drawing/2018/hyperlinkcolor" xmlns:go="http://customooxmlschemas.google.com/" r:id="rId40" roundtripDataSignature="AMtx7miFGE4Z3Pd82HUBysMENlH/UrNdGQ=="/>
     </p:ext>
   </p:extLst>
 </p:presentation>
@@ -10256,7 +10256,7 @@
                 <a:latin typeface="Times New Roman" panose="02020603050405020304" pitchFamily="18" charset="0"/>
                 <a:cs typeface="Times New Roman" panose="02020603050405020304" pitchFamily="18" charset="0"/>
               </a:rPr>
-              <a:t>Dr. Sk. Mohammad Masudul Ahsan</a:t>
+              <a:t>Dr. Sk. Md. Masudul Ahsan</a:t>
             </a:r>
             <a:endParaRPr lang="en-GB" sz="2400" b="0" dirty="0">
               <a:effectLst/>
